--- a/0419-tth-class-content/04-jquery-rpg/4.2/UT-jQueryJubilee.pptx
+++ b/0419-tth-class-content/04-jquery-rpg/4.2/UT-jQueryJubilee.pptx
@@ -254,7 +254,7 @@
           <a:p>
             <a:fld id="{51A969EA-8566-418D-AC96-BC5F6E9FAB6C}" type="datetimeFigureOut">
               <a:rPr lang="en-US" smtClean="0"/>
-              <a:t>5/11/16</a:t>
+              <a:t>5/12/16</a:t>
             </a:fld>
             <a:endParaRPr lang="en-US"/>
           </a:p>
@@ -419,7 +419,7 @@
           <a:p>
             <a:fld id="{33B07B4B-74D8-4C42-A719-1F93879497F8}" type="datetimeFigureOut">
               <a:rPr lang="en-US" smtClean="0"/>
-              <a:t>5/11/16</a:t>
+              <a:t>5/12/16</a:t>
             </a:fld>
             <a:endParaRPr lang="en-US"/>
           </a:p>
@@ -7903,7 +7903,7 @@
           <a:p>
             <a:fld id="{06F2DAE4-C87D-464C-8529-C68309DD1CFC}" type="datetimeFigureOut">
               <a:rPr lang="en-US" smtClean="0"/>
-              <a:t>5/11/16</a:t>
+              <a:t>5/12/16</a:t>
             </a:fld>
             <a:endParaRPr lang="en-US"/>
           </a:p>
@@ -8425,7 +8425,7 @@
           <a:p>
             <a:fld id="{B65C9255-9F07-4181-9AD2-897FFC0A3B7E}" type="datetimeFigureOut">
               <a:rPr lang="en-US" smtClean="0"/>
-              <a:t>5/11/16</a:t>
+              <a:t>5/12/16</a:t>
             </a:fld>
             <a:endParaRPr lang="en-US"/>
           </a:p>
@@ -8965,7 +8965,7 @@
           <a:p>
             <a:fld id="{B65C9255-9F07-4181-9AD2-897FFC0A3B7E}" type="datetimeFigureOut">
               <a:rPr lang="en-US" smtClean="0"/>
-              <a:t>5/11/16</a:t>
+              <a:t>5/12/16</a:t>
             </a:fld>
             <a:endParaRPr lang="en-US"/>
           </a:p>
@@ -9505,7 +9505,7 @@
           <a:p>
             <a:fld id="{B65C9255-9F07-4181-9AD2-897FFC0A3B7E}" type="datetimeFigureOut">
               <a:rPr lang="en-US" smtClean="0"/>
-              <a:t>5/11/16</a:t>
+              <a:t>5/12/16</a:t>
             </a:fld>
             <a:endParaRPr lang="en-US"/>
           </a:p>
@@ -9950,11 +9950,7 @@
           <a:p>
             <a:r>
               <a:rPr lang="en-US" smtClean="0"/>
-              <a:t>May 12</a:t>
-            </a:r>
-            <a:r>
-              <a:rPr lang="en-US" smtClean="0"/>
-              <a:t>, </a:t>
+              <a:t>May 12, </a:t>
             </a:r>
             <a:r>
               <a:rPr lang="en-US" dirty="0" smtClean="0"/>
